--- a/Chapter6/Figures/Fig9.pptx
+++ b/Chapter6/Figures/Fig9.pptx
@@ -7,7 +7,7 @@
   <p:sldIdLst>
     <p:sldId id="256" r:id="rId2"/>
   </p:sldIdLst>
-  <p:sldSz cx="6480175" cy="6840538"/>
+  <p:sldSz cx="6480175" cy="6121400"/>
   <p:notesSz cx="6858000" cy="9144000"/>
   <p:defaultTextStyle>
     <a:defPPr>
@@ -136,8 +136,8 @@
         </p:nvSpPr>
         <p:spPr>
           <a:xfrm>
-            <a:off x="486017" y="2125004"/>
-            <a:ext cx="5508149" cy="1466282"/>
+            <a:off x="486017" y="1901606"/>
+            <a:ext cx="5508149" cy="1312133"/>
           </a:xfrm>
         </p:spPr>
         <p:txBody>
@@ -164,8 +164,8 @@
         </p:nvSpPr>
         <p:spPr>
           <a:xfrm>
-            <a:off x="972029" y="3876308"/>
-            <a:ext cx="4536123" cy="1748137"/>
+            <a:off x="972030" y="3468797"/>
+            <a:ext cx="4536123" cy="1564357"/>
           </a:xfrm>
         </p:spPr>
         <p:txBody>
@@ -288,7 +288,7 @@
           <a:p>
             <a:fld id="{EAC05617-F687-4EFE-A19A-AEECECF8FCB1}" type="datetimeFigureOut">
               <a:rPr lang="en-GB" smtClean="0"/>
-              <a:t>21/05/2014</a:t>
+              <a:t>04/07/2014</a:t>
             </a:fld>
             <a:endParaRPr lang="en-GB"/>
           </a:p>
@@ -458,7 +458,7 @@
           <a:p>
             <a:fld id="{EAC05617-F687-4EFE-A19A-AEECECF8FCB1}" type="datetimeFigureOut">
               <a:rPr lang="en-GB" smtClean="0"/>
-              <a:t>21/05/2014</a:t>
+              <a:t>04/07/2014</a:t>
             </a:fld>
             <a:endParaRPr lang="en-GB"/>
           </a:p>
@@ -548,8 +548,8 @@
         </p:nvSpPr>
         <p:spPr>
           <a:xfrm>
-            <a:off x="4698127" y="273940"/>
-            <a:ext cx="1458040" cy="5836625"/>
+            <a:off x="4698127" y="245141"/>
+            <a:ext cx="1458040" cy="5223028"/>
           </a:xfrm>
         </p:spPr>
         <p:txBody>
@@ -576,8 +576,8 @@
         </p:nvSpPr>
         <p:spPr>
           <a:xfrm>
-            <a:off x="324013" y="273940"/>
-            <a:ext cx="4266115" cy="5836625"/>
+            <a:off x="324015" y="245141"/>
+            <a:ext cx="4266115" cy="5223028"/>
           </a:xfrm>
         </p:spPr>
         <p:txBody>
@@ -638,7 +638,7 @@
           <a:p>
             <a:fld id="{EAC05617-F687-4EFE-A19A-AEECECF8FCB1}" type="datetimeFigureOut">
               <a:rPr lang="en-GB" smtClean="0"/>
-              <a:t>21/05/2014</a:t>
+              <a:t>04/07/2014</a:t>
             </a:fld>
             <a:endParaRPr lang="en-GB"/>
           </a:p>
@@ -808,7 +808,7 @@
           <a:p>
             <a:fld id="{EAC05617-F687-4EFE-A19A-AEECECF8FCB1}" type="datetimeFigureOut">
               <a:rPr lang="en-GB" smtClean="0"/>
-              <a:t>21/05/2014</a:t>
+              <a:t>04/07/2014</a:t>
             </a:fld>
             <a:endParaRPr lang="en-GB"/>
           </a:p>
@@ -898,8 +898,8 @@
         </p:nvSpPr>
         <p:spPr>
           <a:xfrm>
-            <a:off x="511893" y="4395681"/>
-            <a:ext cx="5508149" cy="1358607"/>
+            <a:off x="511893" y="3933569"/>
+            <a:ext cx="5508149" cy="1215778"/>
           </a:xfrm>
         </p:spPr>
         <p:txBody>
@@ -930,8 +930,8 @@
         </p:nvSpPr>
         <p:spPr>
           <a:xfrm>
-            <a:off x="511893" y="2899314"/>
-            <a:ext cx="5508149" cy="1496368"/>
+            <a:off x="511893" y="2594514"/>
+            <a:ext cx="5508149" cy="1339056"/>
           </a:xfrm>
         </p:spPr>
         <p:txBody>
@@ -1054,7 +1054,7 @@
           <a:p>
             <a:fld id="{EAC05617-F687-4EFE-A19A-AEECECF8FCB1}" type="datetimeFigureOut">
               <a:rPr lang="en-GB" smtClean="0"/>
-              <a:t>21/05/2014</a:t>
+              <a:t>04/07/2014</a:t>
             </a:fld>
             <a:endParaRPr lang="en-GB"/>
           </a:p>
@@ -1167,8 +1167,8 @@
         </p:nvSpPr>
         <p:spPr>
           <a:xfrm>
-            <a:off x="324009" y="1596126"/>
-            <a:ext cx="2862078" cy="4514439"/>
+            <a:off x="324009" y="1428328"/>
+            <a:ext cx="2862078" cy="4039841"/>
           </a:xfrm>
         </p:spPr>
         <p:txBody>
@@ -1252,8 +1252,8 @@
         </p:nvSpPr>
         <p:spPr>
           <a:xfrm>
-            <a:off x="3294089" y="1596126"/>
-            <a:ext cx="2862078" cy="4514439"/>
+            <a:off x="3294089" y="1428328"/>
+            <a:ext cx="2862078" cy="4039841"/>
           </a:xfrm>
         </p:spPr>
         <p:txBody>
@@ -1342,7 +1342,7 @@
           <a:p>
             <a:fld id="{EAC05617-F687-4EFE-A19A-AEECECF8FCB1}" type="datetimeFigureOut">
               <a:rPr lang="en-GB" smtClean="0"/>
-              <a:t>21/05/2014</a:t>
+              <a:t>04/07/2014</a:t>
             </a:fld>
             <a:endParaRPr lang="en-GB"/>
           </a:p>
@@ -1459,8 +1459,8 @@
         </p:nvSpPr>
         <p:spPr>
           <a:xfrm>
-            <a:off x="324012" y="1531206"/>
-            <a:ext cx="2863203" cy="638133"/>
+            <a:off x="324014" y="1370233"/>
+            <a:ext cx="2863203" cy="571047"/>
           </a:xfrm>
         </p:spPr>
         <p:txBody>
@@ -1524,8 +1524,8 @@
         </p:nvSpPr>
         <p:spPr>
           <a:xfrm>
-            <a:off x="324012" y="2169337"/>
-            <a:ext cx="2863203" cy="3941228"/>
+            <a:off x="324014" y="1941278"/>
+            <a:ext cx="2863203" cy="3526891"/>
           </a:xfrm>
         </p:spPr>
         <p:txBody>
@@ -1609,8 +1609,8 @@
         </p:nvSpPr>
         <p:spPr>
           <a:xfrm>
-            <a:off x="3291839" y="1531206"/>
-            <a:ext cx="2864328" cy="638133"/>
+            <a:off x="3291839" y="1370233"/>
+            <a:ext cx="2864328" cy="571047"/>
           </a:xfrm>
         </p:spPr>
         <p:txBody>
@@ -1674,8 +1674,8 @@
         </p:nvSpPr>
         <p:spPr>
           <a:xfrm>
-            <a:off x="3291839" y="2169337"/>
-            <a:ext cx="2864328" cy="3941228"/>
+            <a:off x="3291839" y="1941278"/>
+            <a:ext cx="2864328" cy="3526891"/>
           </a:xfrm>
         </p:spPr>
         <p:txBody>
@@ -1764,7 +1764,7 @@
           <a:p>
             <a:fld id="{EAC05617-F687-4EFE-A19A-AEECECF8FCB1}" type="datetimeFigureOut">
               <a:rPr lang="en-GB" smtClean="0"/>
-              <a:t>21/05/2014</a:t>
+              <a:t>04/07/2014</a:t>
             </a:fld>
             <a:endParaRPr lang="en-GB"/>
           </a:p>
@@ -1882,7 +1882,7 @@
           <a:p>
             <a:fld id="{EAC05617-F687-4EFE-A19A-AEECECF8FCB1}" type="datetimeFigureOut">
               <a:rPr lang="en-GB" smtClean="0"/>
-              <a:t>21/05/2014</a:t>
+              <a:t>04/07/2014</a:t>
             </a:fld>
             <a:endParaRPr lang="en-GB"/>
           </a:p>
@@ -1977,7 +1977,7 @@
           <a:p>
             <a:fld id="{EAC05617-F687-4EFE-A19A-AEECECF8FCB1}" type="datetimeFigureOut">
               <a:rPr lang="en-GB" smtClean="0"/>
-              <a:t>21/05/2014</a:t>
+              <a:t>04/07/2014</a:t>
             </a:fld>
             <a:endParaRPr lang="en-GB"/>
           </a:p>
@@ -2067,8 +2067,8 @@
         </p:nvSpPr>
         <p:spPr>
           <a:xfrm>
-            <a:off x="324013" y="272357"/>
-            <a:ext cx="2131933" cy="1159092"/>
+            <a:off x="324015" y="243725"/>
+            <a:ext cx="2131933" cy="1037238"/>
           </a:xfrm>
         </p:spPr>
         <p:txBody>
@@ -2099,8 +2099,8 @@
         </p:nvSpPr>
         <p:spPr>
           <a:xfrm>
-            <a:off x="2533569" y="272359"/>
-            <a:ext cx="3622598" cy="5838210"/>
+            <a:off x="2533569" y="243726"/>
+            <a:ext cx="3622598" cy="5224446"/>
           </a:xfrm>
         </p:spPr>
         <p:txBody>
@@ -2184,8 +2184,8 @@
         </p:nvSpPr>
         <p:spPr>
           <a:xfrm>
-            <a:off x="324013" y="1431446"/>
-            <a:ext cx="2131933" cy="4679118"/>
+            <a:off x="324015" y="1280960"/>
+            <a:ext cx="2131933" cy="4187208"/>
           </a:xfrm>
         </p:spPr>
         <p:txBody>
@@ -2254,7 +2254,7 @@
           <a:p>
             <a:fld id="{EAC05617-F687-4EFE-A19A-AEECECF8FCB1}" type="datetimeFigureOut">
               <a:rPr lang="en-GB" smtClean="0"/>
-              <a:t>21/05/2014</a:t>
+              <a:t>04/07/2014</a:t>
             </a:fld>
             <a:endParaRPr lang="en-GB"/>
           </a:p>
@@ -2344,8 +2344,8 @@
         </p:nvSpPr>
         <p:spPr>
           <a:xfrm>
-            <a:off x="1270162" y="4788377"/>
-            <a:ext cx="3888105" cy="565295"/>
+            <a:off x="1270164" y="4284980"/>
+            <a:ext cx="3888105" cy="505866"/>
           </a:xfrm>
         </p:spPr>
         <p:txBody>
@@ -2376,8 +2376,8 @@
         </p:nvSpPr>
         <p:spPr>
           <a:xfrm>
-            <a:off x="1270162" y="611216"/>
-            <a:ext cx="3888105" cy="4104323"/>
+            <a:off x="1270164" y="546961"/>
+            <a:ext cx="3888105" cy="3672840"/>
           </a:xfrm>
         </p:spPr>
         <p:txBody>
@@ -2437,8 +2437,8 @@
         </p:nvSpPr>
         <p:spPr>
           <a:xfrm>
-            <a:off x="1270162" y="5353671"/>
-            <a:ext cx="3888105" cy="802813"/>
+            <a:off x="1270164" y="4790847"/>
+            <a:ext cx="3888105" cy="718414"/>
           </a:xfrm>
         </p:spPr>
         <p:txBody>
@@ -2507,7 +2507,7 @@
           <a:p>
             <a:fld id="{EAC05617-F687-4EFE-A19A-AEECECF8FCB1}" type="datetimeFigureOut">
               <a:rPr lang="en-GB" smtClean="0"/>
-              <a:t>21/05/2014</a:t>
+              <a:t>04/07/2014</a:t>
             </a:fld>
             <a:endParaRPr lang="en-GB"/>
           </a:p>
@@ -2602,8 +2602,8 @@
         </p:nvSpPr>
         <p:spPr>
           <a:xfrm>
-            <a:off x="324009" y="273941"/>
-            <a:ext cx="5832158" cy="1140090"/>
+            <a:off x="324009" y="245143"/>
+            <a:ext cx="5832158" cy="1020233"/>
           </a:xfrm>
           <a:prstGeom prst="rect">
             <a:avLst/>
@@ -2635,8 +2635,8 @@
         </p:nvSpPr>
         <p:spPr>
           <a:xfrm>
-            <a:off x="324009" y="1596126"/>
-            <a:ext cx="5832158" cy="4514439"/>
+            <a:off x="324009" y="1428328"/>
+            <a:ext cx="5832158" cy="4039841"/>
           </a:xfrm>
           <a:prstGeom prst="rect">
             <a:avLst/>
@@ -2697,8 +2697,8 @@
         </p:nvSpPr>
         <p:spPr>
           <a:xfrm>
-            <a:off x="324012" y="6340167"/>
-            <a:ext cx="1512041" cy="364195"/>
+            <a:off x="324014" y="5673632"/>
+            <a:ext cx="1512041" cy="325908"/>
           </a:xfrm>
           <a:prstGeom prst="rect">
             <a:avLst/>
@@ -2720,7 +2720,7 @@
           <a:p>
             <a:fld id="{EAC05617-F687-4EFE-A19A-AEECECF8FCB1}" type="datetimeFigureOut">
               <a:rPr lang="en-GB" smtClean="0"/>
-              <a:t>21/05/2014</a:t>
+              <a:t>04/07/2014</a:t>
             </a:fld>
             <a:endParaRPr lang="en-GB"/>
           </a:p>
@@ -2738,8 +2738,8 @@
         </p:nvSpPr>
         <p:spPr>
           <a:xfrm>
-            <a:off x="2214064" y="6340167"/>
-            <a:ext cx="2052055" cy="364195"/>
+            <a:off x="2214064" y="5673632"/>
+            <a:ext cx="2052055" cy="325908"/>
           </a:xfrm>
           <a:prstGeom prst="rect">
             <a:avLst/>
@@ -2775,8 +2775,8 @@
         </p:nvSpPr>
         <p:spPr>
           <a:xfrm>
-            <a:off x="4644129" y="6340167"/>
-            <a:ext cx="1512041" cy="364195"/>
+            <a:off x="4644131" y="5673632"/>
+            <a:ext cx="1512041" cy="325908"/>
           </a:xfrm>
           <a:prstGeom prst="rect">
             <a:avLst/>
@@ -3097,21 +3097,23 @@
       </p:grpSpPr>
       <p:grpSp>
         <p:nvGrpSpPr>
-          <p:cNvPr id="229" name="Group 228"/>
-          <p:cNvGrpSpPr/>
+          <p:cNvPr id="86" name="Group 85"/>
+          <p:cNvGrpSpPr>
+            <a:grpSpLocks noChangeAspect="1"/>
+          </p:cNvGrpSpPr>
           <p:nvPr/>
         </p:nvGrpSpPr>
         <p:grpSpPr>
           <a:xfrm>
-            <a:off x="1563513" y="212107"/>
-            <a:ext cx="3321645" cy="1717776"/>
+            <a:off x="1563514" y="133278"/>
+            <a:ext cx="2325151" cy="1202443"/>
             <a:chOff x="2831454" y="355829"/>
             <a:chExt cx="3321645" cy="1717776"/>
           </a:xfrm>
         </p:grpSpPr>
         <p:grpSp>
           <p:nvGrpSpPr>
-            <p:cNvPr id="230" name="Group 229"/>
+            <p:cNvPr id="87" name="Group 86"/>
             <p:cNvGrpSpPr/>
             <p:nvPr/>
           </p:nvGrpSpPr>
@@ -3125,7 +3127,7 @@
           </p:grpSpPr>
           <p:sp>
             <p:nvSpPr>
-              <p:cNvPr id="232" name="Freeform 231"/>
+              <p:cNvPr id="89" name="Freeform 88"/>
               <p:cNvSpPr/>
               <p:nvPr/>
             </p:nvSpPr>
@@ -4010,7 +4012,7 @@
           </p:sp>
           <p:grpSp>
             <p:nvGrpSpPr>
-              <p:cNvPr id="233" name="Group 232"/>
+              <p:cNvPr id="90" name="Group 89"/>
               <p:cNvGrpSpPr/>
               <p:nvPr/>
             </p:nvGrpSpPr>
@@ -4024,7 +4026,7 @@
             </p:grpSpPr>
             <p:cxnSp>
               <p:nvCxnSpPr>
-                <p:cNvPr id="239" name="Straight Connector 238"/>
+                <p:cNvPr id="96" name="Straight Connector 95"/>
                 <p:cNvCxnSpPr/>
                 <p:nvPr/>
               </p:nvCxnSpPr>
@@ -4059,7 +4061,7 @@
             </p:cxnSp>
             <p:sp>
               <p:nvSpPr>
-                <p:cNvPr id="240" name="Oval 239"/>
+                <p:cNvPr id="97" name="Oval 96"/>
                 <p:cNvSpPr/>
                 <p:nvPr/>
               </p:nvSpPr>
@@ -4125,7 +4127,7 @@
             </p:sp>
             <p:sp>
               <p:nvSpPr>
-                <p:cNvPr id="241" name="Oval 240"/>
+                <p:cNvPr id="98" name="Oval 97"/>
                 <p:cNvSpPr/>
                 <p:nvPr/>
               </p:nvSpPr>
@@ -4191,7 +4193,7 @@
             </p:sp>
             <p:sp>
               <p:nvSpPr>
-                <p:cNvPr id="242" name="Oval 241"/>
+                <p:cNvPr id="99" name="Oval 98"/>
                 <p:cNvSpPr/>
                 <p:nvPr/>
               </p:nvSpPr>
@@ -4257,7 +4259,7 @@
             </p:sp>
             <p:sp>
               <p:nvSpPr>
-                <p:cNvPr id="243" name="Oval 242"/>
+                <p:cNvPr id="100" name="Oval 99"/>
                 <p:cNvSpPr/>
                 <p:nvPr/>
               </p:nvSpPr>
@@ -4324,7 +4326,7 @@
           </p:grpSp>
           <p:sp>
             <p:nvSpPr>
-              <p:cNvPr id="234" name="Pentagon 11"/>
+              <p:cNvPr id="91" name="Pentagon 11"/>
               <p:cNvSpPr/>
               <p:nvPr/>
             </p:nvSpPr>
@@ -4695,7 +4697,7 @@
           </p:sp>
           <p:sp>
             <p:nvSpPr>
-              <p:cNvPr id="235" name="Oval 234"/>
+              <p:cNvPr id="92" name="Oval 91"/>
               <p:cNvSpPr/>
               <p:nvPr/>
             </p:nvSpPr>
@@ -4761,7 +4763,7 @@
           </p:sp>
           <p:sp>
             <p:nvSpPr>
-              <p:cNvPr id="236" name="Oval 235"/>
+              <p:cNvPr id="93" name="Oval 92"/>
               <p:cNvSpPr/>
               <p:nvPr/>
             </p:nvSpPr>
@@ -4827,7 +4829,7 @@
           </p:sp>
           <p:sp>
             <p:nvSpPr>
-              <p:cNvPr id="237" name="Oval 236"/>
+              <p:cNvPr id="94" name="Oval 93"/>
               <p:cNvSpPr/>
               <p:nvPr/>
             </p:nvSpPr>
@@ -4893,7 +4895,7 @@
           </p:sp>
           <p:sp>
             <p:nvSpPr>
-              <p:cNvPr id="238" name="Oval 237"/>
+              <p:cNvPr id="95" name="Oval 94"/>
               <p:cNvSpPr/>
               <p:nvPr/>
             </p:nvSpPr>
@@ -4960,7 +4962,7 @@
         </p:grpSp>
         <p:cxnSp>
           <p:nvCxnSpPr>
-            <p:cNvPr id="231" name="Straight Connector 230"/>
+            <p:cNvPr id="88" name="Straight Connector 87"/>
             <p:cNvCxnSpPr/>
             <p:nvPr/>
           </p:nvCxnSpPr>
@@ -4999,7 +5001,7 @@
       </p:grpSp>
       <p:grpSp>
         <p:nvGrpSpPr>
-          <p:cNvPr id="244" name="Group 243"/>
+          <p:cNvPr id="101" name="Group 100"/>
           <p:cNvGrpSpPr>
             <a:grpSpLocks noChangeAspect="1"/>
           </p:cNvGrpSpPr>
@@ -5007,7 +5009,7 @@
         </p:nvGrpSpPr>
         <p:grpSpPr>
           <a:xfrm>
-            <a:off x="647291" y="4727629"/>
+            <a:off x="647291" y="4020575"/>
             <a:ext cx="2669472" cy="2041198"/>
             <a:chOff x="1377700" y="5929587"/>
             <a:chExt cx="3295647" cy="2520000"/>
@@ -5015,7 +5017,7 @@
         </p:grpSpPr>
         <p:pic>
           <p:nvPicPr>
-            <p:cNvPr id="245" name="Picture 4" descr="C:\Users\Wendy\Documents\wwn20\Data\PbI4_maskedEvap\SEM\2014\03 - March\140317-CHPI_Au\Au_04.tif"/>
+            <p:cNvPr id="102" name="Picture 4" descr="C:\Users\Wendy\Documents\wwn20\Data\PbI4_maskedEvap\SEM\2014\03 - March\140317-CHPI_Au\Au_04.tif"/>
             <p:cNvPicPr>
               <a:picLocks noChangeAspect="1" noChangeArrowheads="1"/>
             </p:cNvPicPr>
@@ -5063,7 +5065,7 @@
         </p:pic>
         <p:cxnSp>
           <p:nvCxnSpPr>
-            <p:cNvPr id="246" name="Straight Connector 245"/>
+            <p:cNvPr id="103" name="Straight Connector 102"/>
             <p:cNvCxnSpPr/>
             <p:nvPr/>
           </p:nvCxnSpPr>
@@ -5099,7 +5101,7 @@
       </p:grpSp>
       <p:grpSp>
         <p:nvGrpSpPr>
-          <p:cNvPr id="247" name="Group 246"/>
+          <p:cNvPr id="104" name="Group 103"/>
           <p:cNvGrpSpPr>
             <a:grpSpLocks noChangeAspect="1"/>
           </p:cNvGrpSpPr>
@@ -5107,7 +5109,7 @@
         </p:nvGrpSpPr>
         <p:grpSpPr>
           <a:xfrm>
-            <a:off x="3689874" y="4727629"/>
+            <a:off x="3689874" y="4020575"/>
             <a:ext cx="2669472" cy="2041198"/>
             <a:chOff x="5356586" y="5616699"/>
             <a:chExt cx="3295645" cy="2520000"/>
@@ -5115,7 +5117,7 @@
         </p:grpSpPr>
         <p:pic>
           <p:nvPicPr>
-            <p:cNvPr id="248" name="Picture 6" descr="C:\Users\Wendy\Documents\wwn20\Data\PbI4_maskedEvap\SEM\2014\03 - March\140317-CHPI_Au\Au_13.tif"/>
+            <p:cNvPr id="105" name="Picture 6" descr="C:\Users\Wendy\Documents\wwn20\Data\PbI4_maskedEvap\SEM\2014\03 - March\140317-CHPI_Au\Au_13.tif"/>
             <p:cNvPicPr>
               <a:picLocks noChangeAspect="1" noChangeArrowheads="1"/>
             </p:cNvPicPr>
@@ -5163,7 +5165,7 @@
         </p:pic>
         <p:cxnSp>
           <p:nvCxnSpPr>
-            <p:cNvPr id="249" name="Straight Connector 248"/>
+            <p:cNvPr id="106" name="Straight Connector 105"/>
             <p:cNvCxnSpPr/>
             <p:nvPr/>
           </p:nvCxnSpPr>
@@ -5199,7 +5201,7 @@
       </p:grpSp>
       <p:grpSp>
         <p:nvGrpSpPr>
-          <p:cNvPr id="250" name="Group 249"/>
+          <p:cNvPr id="107" name="Group 106"/>
           <p:cNvGrpSpPr>
             <a:grpSpLocks noChangeAspect="1"/>
           </p:cNvGrpSpPr>
@@ -5207,7 +5209,7 @@
         </p:nvGrpSpPr>
         <p:grpSpPr>
           <a:xfrm>
-            <a:off x="3689874" y="2392309"/>
+            <a:off x="3689874" y="1685255"/>
             <a:ext cx="2669472" cy="2041198"/>
             <a:chOff x="4547253" y="2773359"/>
             <a:chExt cx="3295646" cy="2520000"/>
@@ -5215,7 +5217,7 @@
         </p:grpSpPr>
         <p:pic>
           <p:nvPicPr>
-            <p:cNvPr id="251" name="Picture 3" descr="C:\Users\Wendy\Documents\wwn20\Data\PbI4_maskedEvap\SEM\2014\03 - March\140310-Au_PS\PS_Colloids\1_01.tif"/>
+            <p:cNvPr id="108" name="Picture 3" descr="C:\Users\Wendy\Documents\wwn20\Data\PbI4_maskedEvap\SEM\2014\03 - March\140310-Au_PS\PS_Colloids\1_01.tif"/>
             <p:cNvPicPr>
               <a:picLocks noChangeAspect="1" noChangeArrowheads="1"/>
             </p:cNvPicPr>
@@ -5263,7 +5265,7 @@
         </p:pic>
         <p:cxnSp>
           <p:nvCxnSpPr>
-            <p:cNvPr id="252" name="Straight Connector 251"/>
+            <p:cNvPr id="109" name="Straight Connector 108"/>
             <p:cNvCxnSpPr/>
             <p:nvPr/>
           </p:nvCxnSpPr>
@@ -5299,7 +5301,7 @@
       </p:grpSp>
       <p:grpSp>
         <p:nvGrpSpPr>
-          <p:cNvPr id="253" name="Group 252"/>
+          <p:cNvPr id="110" name="Group 109"/>
           <p:cNvGrpSpPr>
             <a:grpSpLocks noChangeAspect="1"/>
           </p:cNvGrpSpPr>
@@ -5307,7 +5309,7 @@
         </p:nvGrpSpPr>
         <p:grpSpPr>
           <a:xfrm>
-            <a:off x="647287" y="2392309"/>
+            <a:off x="647287" y="1685255"/>
             <a:ext cx="2700614" cy="2041198"/>
             <a:chOff x="559422" y="2808387"/>
             <a:chExt cx="3334096" cy="2520000"/>
@@ -5315,7 +5317,7 @@
         </p:grpSpPr>
         <p:pic>
           <p:nvPicPr>
-            <p:cNvPr id="254" name="Picture 2" descr="C:\Users\Wendy\Documents\wwn20\Data\PbI4_maskedEvap\SEM\2014\03 - March\140310-Au_PS\PS_Colloids\6_04.tif"/>
+            <p:cNvPr id="111" name="Picture 2" descr="C:\Users\Wendy\Documents\wwn20\Data\PbI4_maskedEvap\SEM\2014\03 - March\140310-Au_PS\PS_Colloids\6_04.tif"/>
             <p:cNvPicPr>
               <a:picLocks noChangeAspect="1" noChangeArrowheads="1"/>
             </p:cNvPicPr>
@@ -5354,7 +5356,7 @@
         </p:pic>
         <p:sp>
           <p:nvSpPr>
-            <p:cNvPr id="255" name="Rectangle 254"/>
+            <p:cNvPr id="112" name="Rectangle 111"/>
             <p:cNvSpPr/>
             <p:nvPr/>
           </p:nvSpPr>
@@ -5402,7 +5404,7 @@
         </p:sp>
         <p:cxnSp>
           <p:nvCxnSpPr>
-            <p:cNvPr id="256" name="Straight Connector 255"/>
+            <p:cNvPr id="113" name="Straight Connector 112"/>
             <p:cNvCxnSpPr/>
             <p:nvPr/>
           </p:nvCxnSpPr>
@@ -5437,7 +5439,7 @@
         </p:cxnSp>
         <p:sp>
           <p:nvSpPr>
-            <p:cNvPr id="257" name="TextBox 256"/>
+            <p:cNvPr id="114" name="TextBox 113"/>
             <p:cNvSpPr txBox="1"/>
             <p:nvPr/>
           </p:nvSpPr>
@@ -5476,13 +5478,13 @@
       </p:grpSp>
       <p:sp>
         <p:nvSpPr>
-          <p:cNvPr id="258" name="TextBox 257"/>
+          <p:cNvPr id="115" name="TextBox 114"/>
           <p:cNvSpPr txBox="1"/>
           <p:nvPr/>
         </p:nvSpPr>
         <p:spPr>
           <a:xfrm>
-            <a:off x="-54542" y="153031"/>
+            <a:off x="-54542" y="74201"/>
             <a:ext cx="1026363" cy="553998"/>
           </a:xfrm>
           <a:prstGeom prst="rect">
@@ -5506,13 +5508,13 @@
       </p:sp>
       <p:sp>
         <p:nvSpPr>
-          <p:cNvPr id="259" name="TextBox 258"/>
+          <p:cNvPr id="116" name="TextBox 115"/>
           <p:cNvSpPr txBox="1"/>
           <p:nvPr/>
         </p:nvSpPr>
         <p:spPr>
           <a:xfrm>
-            <a:off x="-54542" y="2392309"/>
+            <a:off x="-54542" y="1685255"/>
             <a:ext cx="1026363" cy="553998"/>
           </a:xfrm>
           <a:prstGeom prst="rect">
@@ -5536,13 +5538,13 @@
       </p:sp>
       <p:sp>
         <p:nvSpPr>
-          <p:cNvPr id="260" name="TextBox 259"/>
+          <p:cNvPr id="117" name="TextBox 116"/>
           <p:cNvSpPr txBox="1"/>
           <p:nvPr/>
         </p:nvSpPr>
         <p:spPr>
           <a:xfrm>
-            <a:off x="-54542" y="4727629"/>
+            <a:off x="-54542" y="4020575"/>
             <a:ext cx="1026363" cy="553998"/>
           </a:xfrm>
           <a:prstGeom prst="rect">
@@ -5564,6 +5566,307 @@
           </a:p>
         </p:txBody>
       </p:sp>
+      <p:cxnSp>
+        <p:nvCxnSpPr>
+          <p:cNvPr id="118" name="Straight Connector 117"/>
+          <p:cNvCxnSpPr/>
+          <p:nvPr/>
+        </p:nvCxnSpPr>
+        <p:spPr>
+          <a:xfrm>
+            <a:off x="1556000" y="1476447"/>
+            <a:ext cx="2088000" cy="0"/>
+          </a:xfrm>
+          <a:prstGeom prst="line">
+            <a:avLst/>
+          </a:prstGeom>
+          <a:ln>
+            <a:solidFill>
+              <a:schemeClr val="tx1"/>
+            </a:solidFill>
+            <a:prstDash val="dash"/>
+          </a:ln>
+        </p:spPr>
+        <p:style>
+          <a:lnRef idx="1">
+            <a:schemeClr val="accent1"/>
+          </a:lnRef>
+          <a:fillRef idx="0">
+            <a:schemeClr val="accent1"/>
+          </a:fillRef>
+          <a:effectRef idx="0">
+            <a:schemeClr val="accent1"/>
+          </a:effectRef>
+          <a:fontRef idx="minor">
+            <a:schemeClr val="tx1"/>
+          </a:fontRef>
+        </p:style>
+      </p:cxnSp>
+      <p:sp>
+        <p:nvSpPr>
+          <p:cNvPr id="119" name="Pie 5"/>
+          <p:cNvSpPr>
+            <a:spLocks noChangeAspect="1"/>
+          </p:cNvSpPr>
+          <p:nvPr/>
+        </p:nvSpPr>
+        <p:spPr>
+          <a:xfrm>
+            <a:off x="2467987" y="1286042"/>
+            <a:ext cx="15365" cy="182900"/>
+          </a:xfrm>
+          <a:custGeom>
+            <a:avLst/>
+            <a:gdLst>
+              <a:gd name="connsiteX0" fmla="*/ 0 w 1080000"/>
+              <a:gd name="connsiteY0" fmla="*/ 540000 h 1080000"/>
+              <a:gd name="connsiteX1" fmla="*/ 7569 w 1080000"/>
+              <a:gd name="connsiteY1" fmla="*/ 449902 h 1080000"/>
+              <a:gd name="connsiteX2" fmla="*/ 540000 w 1080000"/>
+              <a:gd name="connsiteY2" fmla="*/ 540000 h 1080000"/>
+              <a:gd name="connsiteX3" fmla="*/ 0 w 1080000"/>
+              <a:gd name="connsiteY3" fmla="*/ 540000 h 1080000"/>
+              <a:gd name="connsiteX0" fmla="*/ 540000 w 631440"/>
+              <a:gd name="connsiteY0" fmla="*/ 90098 h 181538"/>
+              <a:gd name="connsiteX1" fmla="*/ 0 w 631440"/>
+              <a:gd name="connsiteY1" fmla="*/ 90098 h 181538"/>
+              <a:gd name="connsiteX2" fmla="*/ 7569 w 631440"/>
+              <a:gd name="connsiteY2" fmla="*/ 0 h 181538"/>
+              <a:gd name="connsiteX3" fmla="*/ 631440 w 631440"/>
+              <a:gd name="connsiteY3" fmla="*/ 181538 h 181538"/>
+              <a:gd name="connsiteX0" fmla="*/ 540000 w 540000"/>
+              <a:gd name="connsiteY0" fmla="*/ 90098 h 90098"/>
+              <a:gd name="connsiteX1" fmla="*/ 0 w 540000"/>
+              <a:gd name="connsiteY1" fmla="*/ 90098 h 90098"/>
+              <a:gd name="connsiteX2" fmla="*/ 7569 w 540000"/>
+              <a:gd name="connsiteY2" fmla="*/ 0 h 90098"/>
+              <a:gd name="connsiteX0" fmla="*/ 0 w 7569"/>
+              <a:gd name="connsiteY0" fmla="*/ 90098 h 90098"/>
+              <a:gd name="connsiteX1" fmla="*/ 7569 w 7569"/>
+              <a:gd name="connsiteY1" fmla="*/ 0 h 90098"/>
+            </a:gdLst>
+            <a:ahLst/>
+            <a:cxnLst>
+              <a:cxn ang="0">
+                <a:pos x="connsiteX0" y="connsiteY0"/>
+              </a:cxn>
+              <a:cxn ang="0">
+                <a:pos x="connsiteX1" y="connsiteY1"/>
+              </a:cxn>
+            </a:cxnLst>
+            <a:rect l="l" t="t" r="r" b="b"/>
+            <a:pathLst>
+              <a:path w="7569" h="90098">
+                <a:moveTo>
+                  <a:pt x="0" y="90098"/>
+                </a:moveTo>
+                <a:cubicBezTo>
+                  <a:pt x="0" y="59906"/>
+                  <a:pt x="2532" y="29768"/>
+                  <a:pt x="7569" y="0"/>
+                </a:cubicBezTo>
+              </a:path>
+            </a:pathLst>
+          </a:custGeom>
+          <a:ln w="12700">
+            <a:solidFill>
+              <a:schemeClr val="tx1"/>
+            </a:solidFill>
+          </a:ln>
+        </p:spPr>
+        <p:style>
+          <a:lnRef idx="2">
+            <a:schemeClr val="accent1">
+              <a:shade val="50000"/>
+            </a:schemeClr>
+          </a:lnRef>
+          <a:fillRef idx="1">
+            <a:schemeClr val="accent1"/>
+          </a:fillRef>
+          <a:effectRef idx="0">
+            <a:schemeClr val="accent1"/>
+          </a:effectRef>
+          <a:fontRef idx="minor">
+            <a:schemeClr val="lt1"/>
+          </a:fontRef>
+        </p:style>
+        <p:txBody>
+          <a:bodyPr rtlCol="0" anchor="ctr"/>
+          <a:lstStyle/>
+          <a:p>
+            <a:pPr algn="ctr"/>
+            <a:endParaRPr lang="en-GB">
+              <a:solidFill>
+                <a:schemeClr val="tx1"/>
+              </a:solidFill>
+            </a:endParaRPr>
+          </a:p>
+        </p:txBody>
+      </p:sp>
+      <p:sp>
+        <p:nvSpPr>
+          <p:cNvPr id="120" name="TextBox 119"/>
+          <p:cNvSpPr txBox="1"/>
+          <p:nvPr/>
+        </p:nvSpPr>
+        <p:spPr>
+          <a:xfrm>
+            <a:off x="1852885" y="1140941"/>
+            <a:ext cx="576064" cy="430887"/>
+          </a:xfrm>
+          <a:prstGeom prst="rect">
+            <a:avLst/>
+          </a:prstGeom>
+          <a:noFill/>
+        </p:spPr>
+        <p:txBody>
+          <a:bodyPr wrap="square" rtlCol="0">
+            <a:spAutoFit/>
+          </a:bodyPr>
+          <a:lstStyle/>
+          <a:p>
+            <a:r>
+              <a:rPr lang="en-GB" sz="2200" dirty="0" smtClean="0"/>
+              <a:t>10°</a:t>
+            </a:r>
+            <a:endParaRPr lang="en-GB" sz="2200" dirty="0"/>
+          </a:p>
+        </p:txBody>
+      </p:sp>
+      <p:sp>
+        <p:nvSpPr>
+          <p:cNvPr id="121" name="TextBox 120"/>
+          <p:cNvSpPr txBox="1"/>
+          <p:nvPr/>
+        </p:nvSpPr>
+        <p:spPr>
+          <a:xfrm>
+            <a:off x="3807010" y="894446"/>
+            <a:ext cx="1457128" cy="430887"/>
+          </a:xfrm>
+          <a:prstGeom prst="rect">
+            <a:avLst/>
+          </a:prstGeom>
+          <a:noFill/>
+        </p:spPr>
+        <p:txBody>
+          <a:bodyPr wrap="square" rtlCol="0">
+            <a:spAutoFit/>
+          </a:bodyPr>
+          <a:lstStyle/>
+          <a:p>
+            <a:r>
+              <a:rPr lang="en-GB" sz="2200" dirty="0" smtClean="0"/>
+              <a:t>PS colloids</a:t>
+            </a:r>
+            <a:endParaRPr lang="en-GB" sz="2200" dirty="0"/>
+          </a:p>
+        </p:txBody>
+      </p:sp>
+      <p:sp>
+        <p:nvSpPr>
+          <p:cNvPr id="122" name="TextBox 121"/>
+          <p:cNvSpPr txBox="1"/>
+          <p:nvPr/>
+        </p:nvSpPr>
+        <p:spPr>
+          <a:xfrm>
+            <a:off x="907737" y="209306"/>
+            <a:ext cx="1944216" cy="430887"/>
+          </a:xfrm>
+          <a:prstGeom prst="rect">
+            <a:avLst/>
+          </a:prstGeom>
+          <a:noFill/>
+        </p:spPr>
+        <p:txBody>
+          <a:bodyPr wrap="square" rtlCol="0">
+            <a:spAutoFit/>
+          </a:bodyPr>
+          <a:lstStyle/>
+          <a:p>
+            <a:r>
+              <a:rPr lang="en-GB" sz="2200" dirty="0" smtClean="0"/>
+              <a:t>Water droplet</a:t>
+            </a:r>
+            <a:endParaRPr lang="en-GB" sz="2200" dirty="0"/>
+          </a:p>
+        </p:txBody>
+      </p:sp>
+      <p:cxnSp>
+        <p:nvCxnSpPr>
+          <p:cNvPr id="123" name="Straight Arrow Connector 122"/>
+          <p:cNvCxnSpPr/>
+          <p:nvPr/>
+        </p:nvCxnSpPr>
+        <p:spPr>
+          <a:xfrm flipH="1" flipV="1">
+            <a:off x="1630511" y="548598"/>
+            <a:ext cx="77968" cy="387176"/>
+          </a:xfrm>
+          <a:prstGeom prst="straightConnector1">
+            <a:avLst/>
+          </a:prstGeom>
+          <a:ln>
+            <a:solidFill>
+              <a:schemeClr val="tx1"/>
+            </a:solidFill>
+            <a:headEnd type="none" w="med" len="med"/>
+            <a:tailEnd type="triangle" w="med" len="med"/>
+          </a:ln>
+        </p:spPr>
+        <p:style>
+          <a:lnRef idx="1">
+            <a:schemeClr val="accent1"/>
+          </a:lnRef>
+          <a:fillRef idx="0">
+            <a:schemeClr val="accent1"/>
+          </a:fillRef>
+          <a:effectRef idx="0">
+            <a:schemeClr val="accent1"/>
+          </a:effectRef>
+          <a:fontRef idx="minor">
+            <a:schemeClr val="tx1"/>
+          </a:fontRef>
+        </p:style>
+      </p:cxnSp>
+      <p:cxnSp>
+        <p:nvCxnSpPr>
+          <p:cNvPr id="124" name="Straight Arrow Connector 123"/>
+          <p:cNvCxnSpPr/>
+          <p:nvPr/>
+        </p:nvCxnSpPr>
+        <p:spPr>
+          <a:xfrm flipV="1">
+            <a:off x="3147095" y="1140941"/>
+            <a:ext cx="732619" cy="1"/>
+          </a:xfrm>
+          <a:prstGeom prst="straightConnector1">
+            <a:avLst/>
+          </a:prstGeom>
+          <a:ln>
+            <a:solidFill>
+              <a:schemeClr val="tx1"/>
+            </a:solidFill>
+            <a:headEnd type="none" w="med" len="med"/>
+            <a:tailEnd type="triangle" w="med" len="med"/>
+          </a:ln>
+        </p:spPr>
+        <p:style>
+          <a:lnRef idx="1">
+            <a:schemeClr val="accent1"/>
+          </a:lnRef>
+          <a:fillRef idx="0">
+            <a:schemeClr val="accent1"/>
+          </a:fillRef>
+          <a:effectRef idx="0">
+            <a:schemeClr val="accent1"/>
+          </a:effectRef>
+          <a:fontRef idx="minor">
+            <a:schemeClr val="tx1"/>
+          </a:fontRef>
+        </p:style>
+      </p:cxnSp>
     </p:spTree>
     <p:extLst>
       <p:ext uri="{BB962C8B-B14F-4D97-AF65-F5344CB8AC3E}">

--- a/Chapter6/Figures/Fig9.pptx
+++ b/Chapter6/Figures/Fig9.pptx
@@ -288,7 +288,7 @@
           <a:p>
             <a:fld id="{EAC05617-F687-4EFE-A19A-AEECECF8FCB1}" type="datetimeFigureOut">
               <a:rPr lang="en-GB" smtClean="0"/>
-              <a:t>04/07/2014</a:t>
+              <a:t>27/09/2014</a:t>
             </a:fld>
             <a:endParaRPr lang="en-GB"/>
           </a:p>
@@ -458,7 +458,7 @@
           <a:p>
             <a:fld id="{EAC05617-F687-4EFE-A19A-AEECECF8FCB1}" type="datetimeFigureOut">
               <a:rPr lang="en-GB" smtClean="0"/>
-              <a:t>04/07/2014</a:t>
+              <a:t>27/09/2014</a:t>
             </a:fld>
             <a:endParaRPr lang="en-GB"/>
           </a:p>
@@ -638,7 +638,7 @@
           <a:p>
             <a:fld id="{EAC05617-F687-4EFE-A19A-AEECECF8FCB1}" type="datetimeFigureOut">
               <a:rPr lang="en-GB" smtClean="0"/>
-              <a:t>04/07/2014</a:t>
+              <a:t>27/09/2014</a:t>
             </a:fld>
             <a:endParaRPr lang="en-GB"/>
           </a:p>
@@ -808,7 +808,7 @@
           <a:p>
             <a:fld id="{EAC05617-F687-4EFE-A19A-AEECECF8FCB1}" type="datetimeFigureOut">
               <a:rPr lang="en-GB" smtClean="0"/>
-              <a:t>04/07/2014</a:t>
+              <a:t>27/09/2014</a:t>
             </a:fld>
             <a:endParaRPr lang="en-GB"/>
           </a:p>
@@ -1054,7 +1054,7 @@
           <a:p>
             <a:fld id="{EAC05617-F687-4EFE-A19A-AEECECF8FCB1}" type="datetimeFigureOut">
               <a:rPr lang="en-GB" smtClean="0"/>
-              <a:t>04/07/2014</a:t>
+              <a:t>27/09/2014</a:t>
             </a:fld>
             <a:endParaRPr lang="en-GB"/>
           </a:p>
@@ -1342,7 +1342,7 @@
           <a:p>
             <a:fld id="{EAC05617-F687-4EFE-A19A-AEECECF8FCB1}" type="datetimeFigureOut">
               <a:rPr lang="en-GB" smtClean="0"/>
-              <a:t>04/07/2014</a:t>
+              <a:t>27/09/2014</a:t>
             </a:fld>
             <a:endParaRPr lang="en-GB"/>
           </a:p>
@@ -1764,7 +1764,7 @@
           <a:p>
             <a:fld id="{EAC05617-F687-4EFE-A19A-AEECECF8FCB1}" type="datetimeFigureOut">
               <a:rPr lang="en-GB" smtClean="0"/>
-              <a:t>04/07/2014</a:t>
+              <a:t>27/09/2014</a:t>
             </a:fld>
             <a:endParaRPr lang="en-GB"/>
           </a:p>
@@ -1882,7 +1882,7 @@
           <a:p>
             <a:fld id="{EAC05617-F687-4EFE-A19A-AEECECF8FCB1}" type="datetimeFigureOut">
               <a:rPr lang="en-GB" smtClean="0"/>
-              <a:t>04/07/2014</a:t>
+              <a:t>27/09/2014</a:t>
             </a:fld>
             <a:endParaRPr lang="en-GB"/>
           </a:p>
@@ -1977,7 +1977,7 @@
           <a:p>
             <a:fld id="{EAC05617-F687-4EFE-A19A-AEECECF8FCB1}" type="datetimeFigureOut">
               <a:rPr lang="en-GB" smtClean="0"/>
-              <a:t>04/07/2014</a:t>
+              <a:t>27/09/2014</a:t>
             </a:fld>
             <a:endParaRPr lang="en-GB"/>
           </a:p>
@@ -2254,7 +2254,7 @@
           <a:p>
             <a:fld id="{EAC05617-F687-4EFE-A19A-AEECECF8FCB1}" type="datetimeFigureOut">
               <a:rPr lang="en-GB" smtClean="0"/>
-              <a:t>04/07/2014</a:t>
+              <a:t>27/09/2014</a:t>
             </a:fld>
             <a:endParaRPr lang="en-GB"/>
           </a:p>
@@ -2507,7 +2507,7 @@
           <a:p>
             <a:fld id="{EAC05617-F687-4EFE-A19A-AEECECF8FCB1}" type="datetimeFigureOut">
               <a:rPr lang="en-GB" smtClean="0"/>
-              <a:t>04/07/2014</a:t>
+              <a:t>27/09/2014</a:t>
             </a:fld>
             <a:endParaRPr lang="en-GB"/>
           </a:p>
@@ -2720,7 +2720,7 @@
           <a:p>
             <a:fld id="{EAC05617-F687-4EFE-A19A-AEECECF8FCB1}" type="datetimeFigureOut">
               <a:rPr lang="en-GB" smtClean="0"/>
-              <a:t>04/07/2014</a:t>
+              <a:t>27/09/2014</a:t>
             </a:fld>
             <a:endParaRPr lang="en-GB"/>
           </a:p>
@@ -3105,7 +3105,7 @@
         </p:nvGrpSpPr>
         <p:grpSpPr>
           <a:xfrm>
-            <a:off x="1563514" y="133278"/>
+            <a:off x="1951648" y="133278"/>
             <a:ext cx="2325151" cy="1202443"/>
             <a:chOff x="2831454" y="355829"/>
             <a:chExt cx="3321645" cy="1717776"/>
@@ -5484,7 +5484,7 @@
         </p:nvSpPr>
         <p:spPr>
           <a:xfrm>
-            <a:off x="-54542" y="74201"/>
+            <a:off x="701556" y="74201"/>
             <a:ext cx="1026363" cy="553998"/>
           </a:xfrm>
           <a:prstGeom prst="rect">
@@ -5574,7 +5574,7 @@
         </p:nvCxnSpPr>
         <p:spPr>
           <a:xfrm>
-            <a:off x="1556000" y="1476447"/>
+            <a:off x="1944134" y="1476447"/>
             <a:ext cx="2088000" cy="0"/>
           </a:xfrm>
           <a:prstGeom prst="line">
@@ -5612,7 +5612,7 @@
         </p:nvSpPr>
         <p:spPr>
           <a:xfrm>
-            <a:off x="2467987" y="1286042"/>
+            <a:off x="2856121" y="1286042"/>
             <a:ext cx="15365" cy="182900"/>
           </a:xfrm>
           <a:custGeom>
@@ -5711,7 +5711,7 @@
         </p:nvSpPr>
         <p:spPr>
           <a:xfrm>
-            <a:off x="1852885" y="1140941"/>
+            <a:off x="2241019" y="1140941"/>
             <a:ext cx="576064" cy="430887"/>
           </a:xfrm>
           <a:prstGeom prst="rect">
@@ -5741,7 +5741,7 @@
         </p:nvSpPr>
         <p:spPr>
           <a:xfrm>
-            <a:off x="3807010" y="894446"/>
+            <a:off x="4195144" y="894446"/>
             <a:ext cx="1457128" cy="430887"/>
           </a:xfrm>
           <a:prstGeom prst="rect">
@@ -5771,7 +5771,7 @@
         </p:nvSpPr>
         <p:spPr>
           <a:xfrm>
-            <a:off x="907737" y="209306"/>
+            <a:off x="1295871" y="209306"/>
             <a:ext cx="1944216" cy="430887"/>
           </a:xfrm>
           <a:prstGeom prst="rect">
@@ -5801,7 +5801,7 @@
         </p:nvCxnSpPr>
         <p:spPr>
           <a:xfrm flipH="1" flipV="1">
-            <a:off x="1630511" y="548598"/>
+            <a:off x="2018645" y="548598"/>
             <a:ext cx="77968" cy="387176"/>
           </a:xfrm>
           <a:prstGeom prst="straightConnector1">
@@ -5838,7 +5838,7 @@
         </p:nvCxnSpPr>
         <p:spPr>
           <a:xfrm flipV="1">
-            <a:off x="3147095" y="1140941"/>
+            <a:off x="3535229" y="1140941"/>
             <a:ext cx="732619" cy="1"/>
           </a:xfrm>
           <a:prstGeom prst="straightConnector1">
